--- a/презентация orange forum.pptx
+++ b/презентация orange forum.pptx
@@ -159,10 +159,9 @@
           </a:lstStyle>
           <a:p>
             <a:r>
-              <a:rPr lang="ru-RU" smtClean="0"/>
+              <a:rPr lang="ru-RU"/>
               <a:t>Образец заголовка</a:t>
             </a:r>
-            <a:endParaRPr lang="ru-RU"/>
           </a:p>
         </p:txBody>
       </p:sp>
@@ -224,10 +223,9 @@
           </a:lstStyle>
           <a:p>
             <a:r>
-              <a:rPr lang="ru-RU" smtClean="0"/>
+              <a:rPr lang="ru-RU"/>
               <a:t>Образец подзаголовка</a:t>
             </a:r>
-            <a:endParaRPr lang="ru-RU"/>
           </a:p>
         </p:txBody>
       </p:sp>
@@ -248,7 +246,7 @@
           <a:p>
             <a:fld id="{853FB3EB-4C1D-42F4-97D6-F0C7EA58B571}" type="datetimeFigureOut">
               <a:rPr lang="ru-RU" smtClean="0"/>
-              <a:t>28.04.2022</a:t>
+              <a:t>29.04.2022</a:t>
             </a:fld>
             <a:endParaRPr lang="ru-RU"/>
           </a:p>
@@ -342,10 +340,9 @@
           <a:lstStyle/>
           <a:p>
             <a:r>
-              <a:rPr lang="ru-RU" smtClean="0"/>
+              <a:rPr lang="ru-RU"/>
               <a:t>Образец заголовка</a:t>
             </a:r>
-            <a:endParaRPr lang="ru-RU"/>
           </a:p>
         </p:txBody>
       </p:sp>
@@ -366,38 +363,37 @@
           <a:p>
             <a:pPr lvl="0"/>
             <a:r>
-              <a:rPr lang="ru-RU" smtClean="0"/>
+              <a:rPr lang="ru-RU"/>
               <a:t>Образец текста</a:t>
             </a:r>
           </a:p>
           <a:p>
             <a:pPr lvl="1"/>
             <a:r>
-              <a:rPr lang="ru-RU" smtClean="0"/>
+              <a:rPr lang="ru-RU"/>
               <a:t>Второй уровень</a:t>
             </a:r>
           </a:p>
           <a:p>
             <a:pPr lvl="2"/>
             <a:r>
-              <a:rPr lang="ru-RU" smtClean="0"/>
+              <a:rPr lang="ru-RU"/>
               <a:t>Третий уровень</a:t>
             </a:r>
           </a:p>
           <a:p>
             <a:pPr lvl="3"/>
             <a:r>
-              <a:rPr lang="ru-RU" smtClean="0"/>
+              <a:rPr lang="ru-RU"/>
               <a:t>Четвертый уровень</a:t>
             </a:r>
           </a:p>
           <a:p>
             <a:pPr lvl="4"/>
             <a:r>
-              <a:rPr lang="ru-RU" smtClean="0"/>
+              <a:rPr lang="ru-RU"/>
               <a:t>Пятый уровень</a:t>
             </a:r>
-            <a:endParaRPr lang="ru-RU"/>
           </a:p>
         </p:txBody>
       </p:sp>
@@ -418,7 +414,7 @@
           <a:p>
             <a:fld id="{853FB3EB-4C1D-42F4-97D6-F0C7EA58B571}" type="datetimeFigureOut">
               <a:rPr lang="ru-RU" smtClean="0"/>
-              <a:t>28.04.2022</a:t>
+              <a:t>29.04.2022</a:t>
             </a:fld>
             <a:endParaRPr lang="ru-RU"/>
           </a:p>
@@ -517,10 +513,9 @@
           <a:lstStyle/>
           <a:p>
             <a:r>
-              <a:rPr lang="ru-RU" smtClean="0"/>
+              <a:rPr lang="ru-RU"/>
               <a:t>Образец заголовка</a:t>
             </a:r>
-            <a:endParaRPr lang="ru-RU"/>
           </a:p>
         </p:txBody>
       </p:sp>
@@ -546,38 +541,37 @@
           <a:p>
             <a:pPr lvl="0"/>
             <a:r>
-              <a:rPr lang="ru-RU" smtClean="0"/>
+              <a:rPr lang="ru-RU"/>
               <a:t>Образец текста</a:t>
             </a:r>
           </a:p>
           <a:p>
             <a:pPr lvl="1"/>
             <a:r>
-              <a:rPr lang="ru-RU" smtClean="0"/>
+              <a:rPr lang="ru-RU"/>
               <a:t>Второй уровень</a:t>
             </a:r>
           </a:p>
           <a:p>
             <a:pPr lvl="2"/>
             <a:r>
-              <a:rPr lang="ru-RU" smtClean="0"/>
+              <a:rPr lang="ru-RU"/>
               <a:t>Третий уровень</a:t>
             </a:r>
           </a:p>
           <a:p>
             <a:pPr lvl="3"/>
             <a:r>
-              <a:rPr lang="ru-RU" smtClean="0"/>
+              <a:rPr lang="ru-RU"/>
               <a:t>Четвертый уровень</a:t>
             </a:r>
           </a:p>
           <a:p>
             <a:pPr lvl="4"/>
             <a:r>
-              <a:rPr lang="ru-RU" smtClean="0"/>
+              <a:rPr lang="ru-RU"/>
               <a:t>Пятый уровень</a:t>
             </a:r>
-            <a:endParaRPr lang="ru-RU"/>
           </a:p>
         </p:txBody>
       </p:sp>
@@ -598,7 +592,7 @@
           <a:p>
             <a:fld id="{853FB3EB-4C1D-42F4-97D6-F0C7EA58B571}" type="datetimeFigureOut">
               <a:rPr lang="ru-RU" smtClean="0"/>
-              <a:t>28.04.2022</a:t>
+              <a:t>29.04.2022</a:t>
             </a:fld>
             <a:endParaRPr lang="ru-RU"/>
           </a:p>
@@ -692,10 +686,9 @@
           <a:lstStyle/>
           <a:p>
             <a:r>
-              <a:rPr lang="ru-RU" smtClean="0"/>
+              <a:rPr lang="ru-RU"/>
               <a:t>Образец заголовка</a:t>
             </a:r>
-            <a:endParaRPr lang="ru-RU"/>
           </a:p>
         </p:txBody>
       </p:sp>
@@ -716,38 +709,37 @@
           <a:p>
             <a:pPr lvl="0"/>
             <a:r>
-              <a:rPr lang="ru-RU" smtClean="0"/>
+              <a:rPr lang="ru-RU"/>
               <a:t>Образец текста</a:t>
             </a:r>
           </a:p>
           <a:p>
             <a:pPr lvl="1"/>
             <a:r>
-              <a:rPr lang="ru-RU" smtClean="0"/>
+              <a:rPr lang="ru-RU"/>
               <a:t>Второй уровень</a:t>
             </a:r>
           </a:p>
           <a:p>
             <a:pPr lvl="2"/>
             <a:r>
-              <a:rPr lang="ru-RU" smtClean="0"/>
+              <a:rPr lang="ru-RU"/>
               <a:t>Третий уровень</a:t>
             </a:r>
           </a:p>
           <a:p>
             <a:pPr lvl="3"/>
             <a:r>
-              <a:rPr lang="ru-RU" smtClean="0"/>
+              <a:rPr lang="ru-RU"/>
               <a:t>Четвертый уровень</a:t>
             </a:r>
           </a:p>
           <a:p>
             <a:pPr lvl="4"/>
             <a:r>
-              <a:rPr lang="ru-RU" smtClean="0"/>
+              <a:rPr lang="ru-RU"/>
               <a:t>Пятый уровень</a:t>
             </a:r>
-            <a:endParaRPr lang="ru-RU"/>
           </a:p>
         </p:txBody>
       </p:sp>
@@ -768,7 +760,7 @@
           <a:p>
             <a:fld id="{853FB3EB-4C1D-42F4-97D6-F0C7EA58B571}" type="datetimeFigureOut">
               <a:rPr lang="ru-RU" smtClean="0"/>
-              <a:t>28.04.2022</a:t>
+              <a:t>29.04.2022</a:t>
             </a:fld>
             <a:endParaRPr lang="ru-RU"/>
           </a:p>
@@ -871,10 +863,9 @@
           </a:lstStyle>
           <a:p>
             <a:r>
-              <a:rPr lang="ru-RU" smtClean="0"/>
+              <a:rPr lang="ru-RU"/>
               <a:t>Образец заголовка</a:t>
             </a:r>
-            <a:endParaRPr lang="ru-RU"/>
           </a:p>
         </p:txBody>
       </p:sp>
@@ -991,7 +982,7 @@
           <a:p>
             <a:pPr lvl="0"/>
             <a:r>
-              <a:rPr lang="ru-RU" smtClean="0"/>
+              <a:rPr lang="ru-RU"/>
               <a:t>Образец текста</a:t>
             </a:r>
           </a:p>
@@ -1014,7 +1005,7 @@
           <a:p>
             <a:fld id="{853FB3EB-4C1D-42F4-97D6-F0C7EA58B571}" type="datetimeFigureOut">
               <a:rPr lang="ru-RU" smtClean="0"/>
-              <a:t>28.04.2022</a:t>
+              <a:t>29.04.2022</a:t>
             </a:fld>
             <a:endParaRPr lang="ru-RU"/>
           </a:p>
@@ -1108,10 +1099,9 @@
           <a:lstStyle/>
           <a:p>
             <a:r>
-              <a:rPr lang="ru-RU" smtClean="0"/>
+              <a:rPr lang="ru-RU"/>
               <a:t>Образец заголовка</a:t>
             </a:r>
-            <a:endParaRPr lang="ru-RU"/>
           </a:p>
         </p:txBody>
       </p:sp>
@@ -1137,38 +1127,37 @@
           <a:p>
             <a:pPr lvl="0"/>
             <a:r>
-              <a:rPr lang="ru-RU" smtClean="0"/>
+              <a:rPr lang="ru-RU"/>
               <a:t>Образец текста</a:t>
             </a:r>
           </a:p>
           <a:p>
             <a:pPr lvl="1"/>
             <a:r>
-              <a:rPr lang="ru-RU" smtClean="0"/>
+              <a:rPr lang="ru-RU"/>
               <a:t>Второй уровень</a:t>
             </a:r>
           </a:p>
           <a:p>
             <a:pPr lvl="2"/>
             <a:r>
-              <a:rPr lang="ru-RU" smtClean="0"/>
+              <a:rPr lang="ru-RU"/>
               <a:t>Третий уровень</a:t>
             </a:r>
           </a:p>
           <a:p>
             <a:pPr lvl="3"/>
             <a:r>
-              <a:rPr lang="ru-RU" smtClean="0"/>
+              <a:rPr lang="ru-RU"/>
               <a:t>Четвертый уровень</a:t>
             </a:r>
           </a:p>
           <a:p>
             <a:pPr lvl="4"/>
             <a:r>
-              <a:rPr lang="ru-RU" smtClean="0"/>
+              <a:rPr lang="ru-RU"/>
               <a:t>Пятый уровень</a:t>
             </a:r>
-            <a:endParaRPr lang="ru-RU"/>
           </a:p>
         </p:txBody>
       </p:sp>
@@ -1194,38 +1183,37 @@
           <a:p>
             <a:pPr lvl="0"/>
             <a:r>
-              <a:rPr lang="ru-RU" smtClean="0"/>
+              <a:rPr lang="ru-RU"/>
               <a:t>Образец текста</a:t>
             </a:r>
           </a:p>
           <a:p>
             <a:pPr lvl="1"/>
             <a:r>
-              <a:rPr lang="ru-RU" smtClean="0"/>
+              <a:rPr lang="ru-RU"/>
               <a:t>Второй уровень</a:t>
             </a:r>
           </a:p>
           <a:p>
             <a:pPr lvl="2"/>
             <a:r>
-              <a:rPr lang="ru-RU" smtClean="0"/>
+              <a:rPr lang="ru-RU"/>
               <a:t>Третий уровень</a:t>
             </a:r>
           </a:p>
           <a:p>
             <a:pPr lvl="3"/>
             <a:r>
-              <a:rPr lang="ru-RU" smtClean="0"/>
+              <a:rPr lang="ru-RU"/>
               <a:t>Четвертый уровень</a:t>
             </a:r>
           </a:p>
           <a:p>
             <a:pPr lvl="4"/>
             <a:r>
-              <a:rPr lang="ru-RU" smtClean="0"/>
+              <a:rPr lang="ru-RU"/>
               <a:t>Пятый уровень</a:t>
             </a:r>
-            <a:endParaRPr lang="ru-RU"/>
           </a:p>
         </p:txBody>
       </p:sp>
@@ -1246,7 +1234,7 @@
           <a:p>
             <a:fld id="{853FB3EB-4C1D-42F4-97D6-F0C7EA58B571}" type="datetimeFigureOut">
               <a:rPr lang="ru-RU" smtClean="0"/>
-              <a:t>28.04.2022</a:t>
+              <a:t>29.04.2022</a:t>
             </a:fld>
             <a:endParaRPr lang="ru-RU"/>
           </a:p>
@@ -1345,10 +1333,9 @@
           <a:lstStyle/>
           <a:p>
             <a:r>
-              <a:rPr lang="ru-RU" smtClean="0"/>
+              <a:rPr lang="ru-RU"/>
               <a:t>Образец заголовка</a:t>
             </a:r>
-            <a:endParaRPr lang="ru-RU"/>
           </a:p>
         </p:txBody>
       </p:sp>
@@ -1411,7 +1398,7 @@
           <a:p>
             <a:pPr lvl="0"/>
             <a:r>
-              <a:rPr lang="ru-RU" smtClean="0"/>
+              <a:rPr lang="ru-RU"/>
               <a:t>Образец текста</a:t>
             </a:r>
           </a:p>
@@ -1439,38 +1426,37 @@
           <a:p>
             <a:pPr lvl="0"/>
             <a:r>
-              <a:rPr lang="ru-RU" smtClean="0"/>
+              <a:rPr lang="ru-RU"/>
               <a:t>Образец текста</a:t>
             </a:r>
           </a:p>
           <a:p>
             <a:pPr lvl="1"/>
             <a:r>
-              <a:rPr lang="ru-RU" smtClean="0"/>
+              <a:rPr lang="ru-RU"/>
               <a:t>Второй уровень</a:t>
             </a:r>
           </a:p>
           <a:p>
             <a:pPr lvl="2"/>
             <a:r>
-              <a:rPr lang="ru-RU" smtClean="0"/>
+              <a:rPr lang="ru-RU"/>
               <a:t>Третий уровень</a:t>
             </a:r>
           </a:p>
           <a:p>
             <a:pPr lvl="3"/>
             <a:r>
-              <a:rPr lang="ru-RU" smtClean="0"/>
+              <a:rPr lang="ru-RU"/>
               <a:t>Четвертый уровень</a:t>
             </a:r>
           </a:p>
           <a:p>
             <a:pPr lvl="4"/>
             <a:r>
-              <a:rPr lang="ru-RU" smtClean="0"/>
+              <a:rPr lang="ru-RU"/>
               <a:t>Пятый уровень</a:t>
             </a:r>
-            <a:endParaRPr lang="ru-RU"/>
           </a:p>
         </p:txBody>
       </p:sp>
@@ -1533,7 +1519,7 @@
           <a:p>
             <a:pPr lvl="0"/>
             <a:r>
-              <a:rPr lang="ru-RU" smtClean="0"/>
+              <a:rPr lang="ru-RU"/>
               <a:t>Образец текста</a:t>
             </a:r>
           </a:p>
@@ -1561,38 +1547,37 @@
           <a:p>
             <a:pPr lvl="0"/>
             <a:r>
-              <a:rPr lang="ru-RU" smtClean="0"/>
+              <a:rPr lang="ru-RU"/>
               <a:t>Образец текста</a:t>
             </a:r>
           </a:p>
           <a:p>
             <a:pPr lvl="1"/>
             <a:r>
-              <a:rPr lang="ru-RU" smtClean="0"/>
+              <a:rPr lang="ru-RU"/>
               <a:t>Второй уровень</a:t>
             </a:r>
           </a:p>
           <a:p>
             <a:pPr lvl="2"/>
             <a:r>
-              <a:rPr lang="ru-RU" smtClean="0"/>
+              <a:rPr lang="ru-RU"/>
               <a:t>Третий уровень</a:t>
             </a:r>
           </a:p>
           <a:p>
             <a:pPr lvl="3"/>
             <a:r>
-              <a:rPr lang="ru-RU" smtClean="0"/>
+              <a:rPr lang="ru-RU"/>
               <a:t>Четвертый уровень</a:t>
             </a:r>
           </a:p>
           <a:p>
             <a:pPr lvl="4"/>
             <a:r>
-              <a:rPr lang="ru-RU" smtClean="0"/>
+              <a:rPr lang="ru-RU"/>
               <a:t>Пятый уровень</a:t>
             </a:r>
-            <a:endParaRPr lang="ru-RU"/>
           </a:p>
         </p:txBody>
       </p:sp>
@@ -1613,7 +1598,7 @@
           <a:p>
             <a:fld id="{853FB3EB-4C1D-42F4-97D6-F0C7EA58B571}" type="datetimeFigureOut">
               <a:rPr lang="ru-RU" smtClean="0"/>
-              <a:t>28.04.2022</a:t>
+              <a:t>29.04.2022</a:t>
             </a:fld>
             <a:endParaRPr lang="ru-RU"/>
           </a:p>
@@ -1707,10 +1692,9 @@
           <a:lstStyle/>
           <a:p>
             <a:r>
-              <a:rPr lang="ru-RU" smtClean="0"/>
+              <a:rPr lang="ru-RU"/>
               <a:t>Образец заголовка</a:t>
             </a:r>
-            <a:endParaRPr lang="ru-RU"/>
           </a:p>
         </p:txBody>
       </p:sp>
@@ -1731,7 +1715,7 @@
           <a:p>
             <a:fld id="{853FB3EB-4C1D-42F4-97D6-F0C7EA58B571}" type="datetimeFigureOut">
               <a:rPr lang="ru-RU" smtClean="0"/>
-              <a:t>28.04.2022</a:t>
+              <a:t>29.04.2022</a:t>
             </a:fld>
             <a:endParaRPr lang="ru-RU"/>
           </a:p>
@@ -1826,7 +1810,7 @@
           <a:p>
             <a:fld id="{853FB3EB-4C1D-42F4-97D6-F0C7EA58B571}" type="datetimeFigureOut">
               <a:rPr lang="ru-RU" smtClean="0"/>
-              <a:t>28.04.2022</a:t>
+              <a:t>29.04.2022</a:t>
             </a:fld>
             <a:endParaRPr lang="ru-RU"/>
           </a:p>
@@ -1929,10 +1913,9 @@
           </a:lstStyle>
           <a:p>
             <a:r>
-              <a:rPr lang="ru-RU" smtClean="0"/>
+              <a:rPr lang="ru-RU"/>
               <a:t>Образец заголовка</a:t>
             </a:r>
-            <a:endParaRPr lang="ru-RU"/>
           </a:p>
         </p:txBody>
       </p:sp>
@@ -1986,38 +1969,37 @@
           <a:p>
             <a:pPr lvl="0"/>
             <a:r>
-              <a:rPr lang="ru-RU" smtClean="0"/>
+              <a:rPr lang="ru-RU"/>
               <a:t>Образец текста</a:t>
             </a:r>
           </a:p>
           <a:p>
             <a:pPr lvl="1"/>
             <a:r>
-              <a:rPr lang="ru-RU" smtClean="0"/>
+              <a:rPr lang="ru-RU"/>
               <a:t>Второй уровень</a:t>
             </a:r>
           </a:p>
           <a:p>
             <a:pPr lvl="2"/>
             <a:r>
-              <a:rPr lang="ru-RU" smtClean="0"/>
+              <a:rPr lang="ru-RU"/>
               <a:t>Третий уровень</a:t>
             </a:r>
           </a:p>
           <a:p>
             <a:pPr lvl="3"/>
             <a:r>
-              <a:rPr lang="ru-RU" smtClean="0"/>
+              <a:rPr lang="ru-RU"/>
               <a:t>Четвертый уровень</a:t>
             </a:r>
           </a:p>
           <a:p>
             <a:pPr lvl="4"/>
             <a:r>
-              <a:rPr lang="ru-RU" smtClean="0"/>
+              <a:rPr lang="ru-RU"/>
               <a:t>Пятый уровень</a:t>
             </a:r>
-            <a:endParaRPr lang="ru-RU"/>
           </a:p>
         </p:txBody>
       </p:sp>
@@ -2080,7 +2062,7 @@
           <a:p>
             <a:pPr lvl="0"/>
             <a:r>
-              <a:rPr lang="ru-RU" smtClean="0"/>
+              <a:rPr lang="ru-RU"/>
               <a:t>Образец текста</a:t>
             </a:r>
           </a:p>
@@ -2103,7 +2085,7 @@
           <a:p>
             <a:fld id="{853FB3EB-4C1D-42F4-97D6-F0C7EA58B571}" type="datetimeFigureOut">
               <a:rPr lang="ru-RU" smtClean="0"/>
-              <a:t>28.04.2022</a:t>
+              <a:t>29.04.2022</a:t>
             </a:fld>
             <a:endParaRPr lang="ru-RU"/>
           </a:p>
@@ -2206,10 +2188,9 @@
           </a:lstStyle>
           <a:p>
             <a:r>
-              <a:rPr lang="ru-RU" smtClean="0"/>
+              <a:rPr lang="ru-RU"/>
               <a:t>Образец заголовка</a:t>
             </a:r>
-            <a:endParaRPr lang="ru-RU"/>
           </a:p>
         </p:txBody>
       </p:sp>
@@ -2333,7 +2314,7 @@
           <a:p>
             <a:pPr lvl="0"/>
             <a:r>
-              <a:rPr lang="ru-RU" smtClean="0"/>
+              <a:rPr lang="ru-RU"/>
               <a:t>Образец текста</a:t>
             </a:r>
           </a:p>
@@ -2356,7 +2337,7 @@
           <a:p>
             <a:fld id="{853FB3EB-4C1D-42F4-97D6-F0C7EA58B571}" type="datetimeFigureOut">
               <a:rPr lang="ru-RU" smtClean="0"/>
-              <a:t>28.04.2022</a:t>
+              <a:t>29.04.2022</a:t>
             </a:fld>
             <a:endParaRPr lang="ru-RU"/>
           </a:p>
@@ -2465,10 +2446,9 @@
           <a:lstStyle/>
           <a:p>
             <a:r>
-              <a:rPr lang="ru-RU" smtClean="0"/>
+              <a:rPr lang="ru-RU"/>
               <a:t>Образец заголовка</a:t>
             </a:r>
-            <a:endParaRPr lang="ru-RU"/>
           </a:p>
         </p:txBody>
       </p:sp>
@@ -2499,38 +2479,37 @@
           <a:p>
             <a:pPr lvl="0"/>
             <a:r>
-              <a:rPr lang="ru-RU" smtClean="0"/>
+              <a:rPr lang="ru-RU"/>
               <a:t>Образец текста</a:t>
             </a:r>
           </a:p>
           <a:p>
             <a:pPr lvl="1"/>
             <a:r>
-              <a:rPr lang="ru-RU" smtClean="0"/>
+              <a:rPr lang="ru-RU"/>
               <a:t>Второй уровень</a:t>
             </a:r>
           </a:p>
           <a:p>
             <a:pPr lvl="2"/>
             <a:r>
-              <a:rPr lang="ru-RU" smtClean="0"/>
+              <a:rPr lang="ru-RU"/>
               <a:t>Третий уровень</a:t>
             </a:r>
           </a:p>
           <a:p>
             <a:pPr lvl="3"/>
             <a:r>
-              <a:rPr lang="ru-RU" smtClean="0"/>
+              <a:rPr lang="ru-RU"/>
               <a:t>Четвертый уровень</a:t>
             </a:r>
           </a:p>
           <a:p>
             <a:pPr lvl="4"/>
             <a:r>
-              <a:rPr lang="ru-RU" smtClean="0"/>
+              <a:rPr lang="ru-RU"/>
               <a:t>Пятый уровень</a:t>
             </a:r>
-            <a:endParaRPr lang="ru-RU"/>
           </a:p>
         </p:txBody>
       </p:sp>
@@ -2569,7 +2548,7 @@
           <a:p>
             <a:fld id="{853FB3EB-4C1D-42F4-97D6-F0C7EA58B571}" type="datetimeFigureOut">
               <a:rPr lang="ru-RU" smtClean="0"/>
-              <a:t>28.04.2022</a:t>
+              <a:t>29.04.2022</a:t>
             </a:fld>
             <a:endParaRPr lang="ru-RU"/>
           </a:p>
@@ -3028,7 +3007,7 @@
           <a:p>
             <a:pPr algn="ctr"/>
             <a:r>
-              <a:rPr lang="en-US" sz="6600" spc="-300" dirty="0" smtClean="0">
+              <a:rPr lang="en-US" sz="6600" spc="-300" dirty="0">
                 <a:ln w="0"/>
                 <a:solidFill>
                   <a:schemeClr val="accent6">
@@ -3087,10 +3066,9 @@
           <a:lstStyle/>
           <a:p>
             <a:r>
-              <a:rPr lang="ru-RU" dirty="0" smtClean="0"/>
+              <a:rPr lang="ru-RU" dirty="0"/>
               <a:t>Басова Елизавета</a:t>
             </a:r>
-            <a:endParaRPr lang="ru-RU" dirty="0"/>
           </a:p>
         </p:txBody>
       </p:sp>
@@ -3104,13 +3082,6 @@
   <p:clrMapOvr>
     <a:masterClrMapping/>
   </p:clrMapOvr>
-  <p:timing>
-    <p:tnLst>
-      <p:par>
-        <p:cTn id="1" dur="indefinite" restart="never" nodeType="tmRoot"/>
-      </p:par>
-    </p:tnLst>
-  </p:timing>
 </p:sld>
 </file>
 
@@ -3214,10 +3185,9 @@
           <a:lstStyle/>
           <a:p>
             <a:r>
-              <a:rPr lang="ru-RU" sz="4000" dirty="0" smtClean="0"/>
+              <a:rPr lang="ru-RU" sz="4000" dirty="0"/>
               <a:t>Актуальность</a:t>
             </a:r>
-            <a:endParaRPr lang="ru-RU" sz="4000" dirty="0"/>
           </a:p>
         </p:txBody>
       </p:sp>
@@ -3244,10 +3214,9 @@
           <a:lstStyle/>
           <a:p>
             <a:r>
-              <a:rPr lang="ru-RU" sz="2400" dirty="0" smtClean="0"/>
+              <a:rPr lang="ru-RU" sz="2400" dirty="0"/>
               <a:t>В современном мире востребовано быстрое получение интересующей информации. Форумы как раз и созданы для общения по темам</a:t>
             </a:r>
-            <a:endParaRPr lang="ru-RU" sz="2400" dirty="0"/>
           </a:p>
         </p:txBody>
       </p:sp>
@@ -3334,16 +3303,12 @@
           <a:lstStyle/>
           <a:p>
             <a:r>
-              <a:rPr lang="ru-RU" sz="3600" dirty="0" smtClean="0">
+              <a:rPr lang="ru-RU" sz="3600" dirty="0">
                 <a:latin typeface="Arial" panose="020B0604020202020204" pitchFamily="34" charset="0"/>
                 <a:cs typeface="Arial" panose="020B0604020202020204" pitchFamily="34" charset="0"/>
               </a:rPr>
               <a:t>Технологии</a:t>
             </a:r>
-            <a:endParaRPr lang="ru-RU" sz="3600" dirty="0">
-              <a:latin typeface="Arial" panose="020B0604020202020204" pitchFamily="34" charset="0"/>
-              <a:cs typeface="Arial" panose="020B0604020202020204" pitchFamily="34" charset="0"/>
-            </a:endParaRPr>
           </a:p>
         </p:txBody>
       </p:sp>
@@ -3430,16 +3395,12 @@
           <a:lstStyle/>
           <a:p>
             <a:r>
-              <a:rPr lang="ru-RU" sz="2400" dirty="0" smtClean="0">
+              <a:rPr lang="ru-RU" sz="2400" dirty="0">
                 <a:latin typeface="Arial" panose="020B0604020202020204" pitchFamily="34" charset="0"/>
                 <a:cs typeface="Arial" panose="020B0604020202020204" pitchFamily="34" charset="0"/>
               </a:rPr>
               <a:t>Программы</a:t>
             </a:r>
-            <a:endParaRPr lang="ru-RU" sz="2400" dirty="0">
-              <a:latin typeface="Arial" panose="020B0604020202020204" pitchFamily="34" charset="0"/>
-              <a:cs typeface="Arial" panose="020B0604020202020204" pitchFamily="34" charset="0"/>
-            </a:endParaRPr>
           </a:p>
         </p:txBody>
       </p:sp>
@@ -3466,7 +3427,7 @@
           <a:lstStyle/>
           <a:p>
             <a:r>
-              <a:rPr lang="en-US" dirty="0" err="1" smtClean="0"/>
+              <a:rPr lang="en-US" dirty="0" err="1"/>
               <a:t>PyCharm</a:t>
             </a:r>
             <a:endParaRPr lang="ru-RU" dirty="0"/>
@@ -3496,7 +3457,7 @@
           <a:lstStyle/>
           <a:p>
             <a:r>
-              <a:rPr lang="en-US" dirty="0" err="1" smtClean="0"/>
+              <a:rPr lang="en-US" dirty="0" err="1"/>
               <a:t>SQLiteStudio</a:t>
             </a:r>
             <a:endParaRPr lang="ru-RU" dirty="0"/>
@@ -3526,7 +3487,7 @@
           <a:lstStyle/>
           <a:p>
             <a:r>
-              <a:rPr lang="en-US" dirty="0" err="1" smtClean="0"/>
+              <a:rPr lang="en-US" dirty="0" err="1"/>
               <a:t>Figma</a:t>
             </a:r>
             <a:endParaRPr lang="ru-RU" dirty="0"/>
@@ -3738,10 +3699,9 @@
           <a:lstStyle/>
           <a:p>
             <a:r>
-              <a:rPr lang="ru-RU" sz="2400" dirty="0" smtClean="0"/>
+              <a:rPr lang="ru-RU" sz="2400" dirty="0"/>
               <a:t>Модули</a:t>
             </a:r>
-            <a:endParaRPr lang="ru-RU" sz="2400" dirty="0"/>
           </a:p>
         </p:txBody>
       </p:sp>
@@ -3768,7 +3728,7 @@
           <a:lstStyle/>
           <a:p>
             <a:r>
-              <a:rPr lang="en-US" dirty="0" smtClean="0"/>
+              <a:rPr lang="en-US" dirty="0"/>
               <a:t>Flask</a:t>
             </a:r>
             <a:endParaRPr lang="ru-RU" dirty="0"/>
@@ -3798,7 +3758,7 @@
           <a:lstStyle/>
           <a:p>
             <a:r>
-              <a:rPr lang="en-US" dirty="0" err="1" smtClean="0"/>
+              <a:rPr lang="en-US" dirty="0" err="1"/>
               <a:t>SQLAlchemy</a:t>
             </a:r>
             <a:endParaRPr lang="ru-RU" dirty="0"/>
@@ -3828,7 +3788,7 @@
           <a:lstStyle/>
           <a:p>
             <a:r>
-              <a:rPr lang="en-US" dirty="0" err="1" smtClean="0"/>
+              <a:rPr lang="en-US" dirty="0" err="1"/>
               <a:t>WTForms</a:t>
             </a:r>
             <a:endParaRPr lang="ru-RU" dirty="0"/>
@@ -3858,16 +3818,12 @@
           <a:lstStyle/>
           <a:p>
             <a:r>
-              <a:rPr lang="ru-RU" sz="3600" dirty="0" smtClean="0">
+              <a:rPr lang="ru-RU" sz="3600" dirty="0">
                 <a:latin typeface="Arial" panose="020B0604020202020204" pitchFamily="34" charset="0"/>
                 <a:cs typeface="Arial" panose="020B0604020202020204" pitchFamily="34" charset="0"/>
               </a:rPr>
               <a:t>Задача</a:t>
             </a:r>
-            <a:endParaRPr lang="ru-RU" sz="3600" dirty="0">
-              <a:latin typeface="Arial" panose="020B0604020202020204" pitchFamily="34" charset="0"/>
-              <a:cs typeface="Arial" panose="020B0604020202020204" pitchFamily="34" charset="0"/>
-            </a:endParaRPr>
           </a:p>
         </p:txBody>
       </p:sp>
@@ -3894,12 +3850,8 @@
           <a:lstStyle/>
           <a:p>
             <a:r>
-              <a:rPr lang="ru-RU" sz="2000" dirty="0" smtClean="0"/>
-              <a:t>Создание сайта-форума </a:t>
-            </a:r>
-            <a:r>
               <a:rPr lang="ru-RU" sz="2000" dirty="0"/>
-              <a:t>для общественного досуга и общения по тематикам фильмов, сериалов, игр и т. п. </a:t>
+              <a:t>Создание сайта-форума для общественного досуга и общения по тематикам фильмов, сериалов, игр и т. п. </a:t>
             </a:r>
           </a:p>
         </p:txBody>
@@ -3914,13 +3866,6 @@
   <p:clrMapOvr>
     <a:masterClrMapping/>
   </p:clrMapOvr>
-  <p:timing>
-    <p:tnLst>
-      <p:par>
-        <p:cTn id="1" dur="indefinite" restart="never" nodeType="tmRoot"/>
-      </p:par>
-    </p:tnLst>
-  </p:timing>
 </p:sld>
 </file>
 
@@ -3994,10 +3939,9 @@
           <a:lstStyle/>
           <a:p>
             <a:r>
-              <a:rPr lang="ru-RU" sz="3200" dirty="0" smtClean="0"/>
+              <a:rPr lang="ru-RU" sz="3200" dirty="0"/>
               <a:t>Структура программы</a:t>
             </a:r>
-            <a:endParaRPr lang="ru-RU" sz="3200" dirty="0"/>
           </a:p>
         </p:txBody>
       </p:sp>
@@ -4031,7 +3975,7 @@
               <a:buChar char="o"/>
             </a:pPr>
             <a:r>
-              <a:rPr lang="ru-RU" dirty="0" smtClean="0"/>
+              <a:rPr lang="ru-RU" dirty="0"/>
               <a:t>Составляющие базы данных</a:t>
             </a:r>
           </a:p>
@@ -4044,15 +3988,15 @@
               <a:buChar char="o"/>
             </a:pPr>
             <a:r>
-              <a:rPr lang="ru-RU" dirty="0" smtClean="0"/>
+              <a:rPr lang="ru-RU" dirty="0"/>
               <a:t>Заготовки форм (регистрации и </a:t>
             </a:r>
             <a:r>
-              <a:rPr lang="ru-RU" dirty="0" err="1" smtClean="0"/>
+              <a:rPr lang="ru-RU" dirty="0" err="1"/>
               <a:t>тп</a:t>
             </a:r>
             <a:r>
-              <a:rPr lang="ru-RU" dirty="0" smtClean="0"/>
+              <a:rPr lang="ru-RU" dirty="0"/>
               <a:t>)</a:t>
             </a:r>
           </a:p>
@@ -4065,15 +4009,15 @@
               <a:buChar char="o"/>
             </a:pPr>
             <a:r>
-              <a:rPr lang="ru-RU" dirty="0" smtClean="0"/>
+              <a:rPr lang="ru-RU" dirty="0"/>
               <a:t>Статические материалы (картинки и </a:t>
             </a:r>
             <a:r>
-              <a:rPr lang="en-US" dirty="0" err="1" smtClean="0"/>
+              <a:rPr lang="en-US" dirty="0" err="1"/>
               <a:t>css</a:t>
             </a:r>
             <a:r>
-              <a:rPr lang="ru-RU" dirty="0" smtClean="0"/>
+              <a:rPr lang="ru-RU" dirty="0"/>
               <a:t>)</a:t>
             </a:r>
           </a:p>
@@ -4086,11 +4030,11 @@
               <a:buChar char="o"/>
             </a:pPr>
             <a:r>
-              <a:rPr lang="ru-RU" dirty="0" smtClean="0"/>
+              <a:rPr lang="ru-RU" dirty="0"/>
               <a:t>Страницы в </a:t>
             </a:r>
             <a:r>
-              <a:rPr lang="en-US" dirty="0" smtClean="0"/>
+              <a:rPr lang="en-US" dirty="0"/>
               <a:t>html</a:t>
             </a:r>
           </a:p>
@@ -4103,10 +4047,9 @@
               <a:buChar char="o"/>
             </a:pPr>
             <a:r>
-              <a:rPr lang="ru-RU" dirty="0" smtClean="0"/>
+              <a:rPr lang="ru-RU" dirty="0"/>
               <a:t>Главный файл</a:t>
             </a:r>
-            <a:endParaRPr lang="ru-RU" dirty="0"/>
           </a:p>
         </p:txBody>
       </p:sp>
@@ -4120,13 +4063,6 @@
   <p:clrMapOvr>
     <a:masterClrMapping/>
   </p:clrMapOvr>
-  <p:timing>
-    <p:tnLst>
-      <p:par>
-        <p:cTn id="1" dur="indefinite" restart="never" nodeType="tmRoot"/>
-      </p:par>
-    </p:tnLst>
-  </p:timing>
 </p:sld>
 </file>
 
@@ -4200,10 +4136,9 @@
           <a:lstStyle/>
           <a:p>
             <a:r>
-              <a:rPr lang="ru-RU" sz="3600" dirty="0" smtClean="0"/>
+              <a:rPr lang="ru-RU" sz="3600" dirty="0"/>
               <a:t>Интерфейс</a:t>
             </a:r>
-            <a:endParaRPr lang="ru-RU" sz="3600" dirty="0"/>
           </a:p>
         </p:txBody>
       </p:sp>
@@ -4237,7 +4172,7 @@
               <a:buChar char="o"/>
             </a:pPr>
             <a:r>
-              <a:rPr lang="ru-RU" sz="2400" dirty="0" smtClean="0"/>
+              <a:rPr lang="ru-RU" sz="2400" dirty="0"/>
               <a:t>Верхнее меню</a:t>
             </a:r>
           </a:p>
@@ -4250,7 +4185,7 @@
               <a:buChar char="o"/>
             </a:pPr>
             <a:r>
-              <a:rPr lang="ru-RU" sz="2400" dirty="0" smtClean="0"/>
+              <a:rPr lang="ru-RU" sz="2400" dirty="0"/>
               <a:t>Основная контентная часть</a:t>
             </a:r>
           </a:p>
@@ -4263,7 +4198,7 @@
               <a:buChar char="o"/>
             </a:pPr>
             <a:r>
-              <a:rPr lang="ru-RU" sz="2400" dirty="0" smtClean="0"/>
+              <a:rPr lang="ru-RU" sz="2400" dirty="0"/>
               <a:t>Дополнительная часть</a:t>
             </a:r>
           </a:p>
@@ -4276,10 +4211,9 @@
               <a:buChar char="o"/>
             </a:pPr>
             <a:r>
-              <a:rPr lang="ru-RU" sz="2400" dirty="0" smtClean="0"/>
+              <a:rPr lang="ru-RU" sz="2400" dirty="0"/>
               <a:t>Нижнее меню</a:t>
             </a:r>
-            <a:endParaRPr lang="ru-RU" sz="2400" dirty="0"/>
           </a:p>
         </p:txBody>
       </p:sp>
@@ -4293,13 +4227,6 @@
   <p:clrMapOvr>
     <a:masterClrMapping/>
   </p:clrMapOvr>
-  <p:timing>
-    <p:tnLst>
-      <p:par>
-        <p:cTn id="1" dur="indefinite" restart="never" nodeType="tmRoot"/>
-      </p:par>
-    </p:tnLst>
-  </p:timing>
 </p:sld>
 </file>
 
@@ -4352,14 +4279,20 @@
       </p:pic>
       <p:sp>
         <p:nvSpPr>
-          <p:cNvPr id="3" name="TextBox 2"/>
+          <p:cNvPr id="4" name="TextBox 3">
+            <a:extLst>
+              <a:ext uri="{FF2B5EF4-FFF2-40B4-BE49-F238E27FC236}">
+                <a16:creationId xmlns:a16="http://schemas.microsoft.com/office/drawing/2014/main" id="{78F760A0-C5E3-4FF3-B221-86771372ABA2}"/>
+              </a:ext>
+            </a:extLst>
+          </p:cNvPr>
           <p:cNvSpPr txBox="1"/>
           <p:nvPr/>
         </p:nvSpPr>
         <p:spPr>
           <a:xfrm>
-            <a:off x="2919046" y="2945423"/>
-            <a:ext cx="3707425" cy="369332"/>
+            <a:off x="1837592" y="474785"/>
+            <a:ext cx="2844048" cy="707886"/>
           </a:xfrm>
           <a:prstGeom prst="rect">
             <a:avLst/>
@@ -4373,10 +4306,74 @@
           <a:lstStyle/>
           <a:p>
             <a:r>
-              <a:rPr lang="en-US" dirty="0"/>
-              <a:t>https://79f3-95-105-127-13.ngrok.io</a:t>
-            </a:r>
-            <a:endParaRPr lang="ru-RU" dirty="0"/>
+              <a:rPr lang="ru-RU" sz="4000" dirty="0"/>
+              <a:t>Заключение</a:t>
+            </a:r>
+          </a:p>
+        </p:txBody>
+      </p:sp>
+      <p:sp>
+        <p:nvSpPr>
+          <p:cNvPr id="5" name="TextBox 4">
+            <a:extLst>
+              <a:ext uri="{FF2B5EF4-FFF2-40B4-BE49-F238E27FC236}">
+                <a16:creationId xmlns:a16="http://schemas.microsoft.com/office/drawing/2014/main" id="{8F5B0509-F74D-4A89-ACAE-DA5A9DFC58C0}"/>
+              </a:ext>
+            </a:extLst>
+          </p:cNvPr>
+          <p:cNvSpPr txBox="1"/>
+          <p:nvPr/>
+        </p:nvSpPr>
+        <p:spPr>
+          <a:xfrm>
+            <a:off x="1837591" y="1736420"/>
+            <a:ext cx="6419717" cy="2308324"/>
+          </a:xfrm>
+          <a:prstGeom prst="rect">
+            <a:avLst/>
+          </a:prstGeom>
+          <a:noFill/>
+        </p:spPr>
+        <p:txBody>
+          <a:bodyPr wrap="square" rtlCol="0">
+            <a:spAutoFit/>
+          </a:bodyPr>
+          <a:lstStyle/>
+          <a:p>
+            <a:r>
+              <a:rPr lang="ru-RU" sz="2400" dirty="0"/>
+              <a:t>Форум выполняет свои базовые функции, но у него есть пути развития:</a:t>
+            </a:r>
+          </a:p>
+          <a:p>
+            <a:pPr marL="342900" indent="-342900">
+              <a:buFont typeface="Courier New" panose="02070309020205020404" pitchFamily="49" charset="0"/>
+              <a:buChar char="o"/>
+            </a:pPr>
+            <a:r>
+              <a:rPr lang="ru-RU" sz="2400" dirty="0"/>
+              <a:t>Создание функций модераторов</a:t>
+            </a:r>
+          </a:p>
+          <a:p>
+            <a:pPr marL="342900" indent="-342900">
+              <a:buFont typeface="Courier New" panose="02070309020205020404" pitchFamily="49" charset="0"/>
+              <a:buChar char="o"/>
+            </a:pPr>
+            <a:r>
+              <a:rPr lang="ru-RU" sz="2400" dirty="0"/>
+              <a:t>Изменение и удаление постов после постинга</a:t>
+            </a:r>
+          </a:p>
+          <a:p>
+            <a:pPr marL="342900" indent="-342900">
+              <a:buFont typeface="Courier New" panose="02070309020205020404" pitchFamily="49" charset="0"/>
+              <a:buChar char="o"/>
+            </a:pPr>
+            <a:r>
+              <a:rPr lang="ru-RU" sz="2400" dirty="0"/>
+              <a:t>Возможность добавить в посты картинки</a:t>
+            </a:r>
           </a:p>
         </p:txBody>
       </p:sp>

--- a/презентация orange forum.pptx
+++ b/презентация orange forum.pptx
@@ -4362,7 +4362,7 @@
             </a:pPr>
             <a:r>
               <a:rPr lang="ru-RU" sz="2400" dirty="0"/>
-              <a:t>Изменение и удаление постов после постинга</a:t>
+              <a:t>Изменение и удаление постов и тем после постинга</a:t>
             </a:r>
           </a:p>
           <a:p>
@@ -4372,7 +4372,7 @@
             </a:pPr>
             <a:r>
               <a:rPr lang="ru-RU" sz="2400" dirty="0"/>
-              <a:t>Возможность добавить в посты картинки</a:t>
+              <a:t>Возможность добавить картинки</a:t>
             </a:r>
           </a:p>
         </p:txBody>
